--- a/Decentralized Pension System.pptx
+++ b/Decentralized Pension System.pptx
@@ -5,7 +5,7 @@
     <p:sldMasterId id="2147483648" r:id="rId1"/>
   </p:sldMasterIdLst>
   <p:notesMasterIdLst>
-    <p:notesMasterId r:id="rId9"/>
+    <p:notesMasterId r:id="rId10"/>
   </p:notesMasterIdLst>
   <p:sldIdLst>
     <p:sldId id="256" r:id="rId2"/>
@@ -13,8 +13,9 @@
     <p:sldId id="257" r:id="rId4"/>
     <p:sldId id="263" r:id="rId5"/>
     <p:sldId id="270" r:id="rId6"/>
-    <p:sldId id="265" r:id="rId7"/>
-    <p:sldId id="271" r:id="rId8"/>
+    <p:sldId id="272" r:id="rId7"/>
+    <p:sldId id="265" r:id="rId8"/>
+    <p:sldId id="271" r:id="rId9"/>
   </p:sldIdLst>
   <p:sldSz cx="12192000" cy="6858000"/>
   <p:notesSz cx="6858000" cy="9144000"/>
@@ -113,6 +114,11 @@
       </a:defRPr>
     </a:lvl9pPr>
   </p:defaultTextStyle>
+  <p:extLst>
+    <p:ext uri="{EFAFB233-063F-42B5-8137-9DF3F51BA10A}">
+      <p15:sldGuideLst xmlns:p15="http://schemas.microsoft.com/office/powerpoint/2012/main"/>
+    </p:ext>
+  </p:extLst>
 </p:presentation>
 </file>
 
@@ -198,7 +204,7 @@
           <a:p>
             <a:fld id="{4F2C4619-6652-41BB-A733-2F4B9F360D43}" type="datetimeFigureOut">
               <a:rPr lang="de-DE" smtClean="0"/>
-              <a:t>08.09.2018</a:t>
+              <a:t>09.09.2018</a:t>
             </a:fld>
             <a:endParaRPr lang="de-DE"/>
           </a:p>
@@ -855,7 +861,7 @@
           <a:p>
             <a:fld id="{6DF65EE4-EBA1-41EC-A507-81A8A28EEE10}" type="datetimeFigureOut">
               <a:rPr lang="de-DE" smtClean="0"/>
-              <a:t>08.09.2018</a:t>
+              <a:t>09.09.2018</a:t>
             </a:fld>
             <a:endParaRPr lang="de-DE"/>
           </a:p>
@@ -1053,7 +1059,7 @@
           <a:p>
             <a:fld id="{6DF65EE4-EBA1-41EC-A507-81A8A28EEE10}" type="datetimeFigureOut">
               <a:rPr lang="de-DE" smtClean="0"/>
-              <a:t>08.09.2018</a:t>
+              <a:t>09.09.2018</a:t>
             </a:fld>
             <a:endParaRPr lang="de-DE"/>
           </a:p>
@@ -1261,7 +1267,7 @@
           <a:p>
             <a:fld id="{6DF65EE4-EBA1-41EC-A507-81A8A28EEE10}" type="datetimeFigureOut">
               <a:rPr lang="de-DE" smtClean="0"/>
-              <a:t>08.09.2018</a:t>
+              <a:t>09.09.2018</a:t>
             </a:fld>
             <a:endParaRPr lang="de-DE"/>
           </a:p>
@@ -1459,7 +1465,7 @@
           <a:p>
             <a:fld id="{6DF65EE4-EBA1-41EC-A507-81A8A28EEE10}" type="datetimeFigureOut">
               <a:rPr lang="de-DE" smtClean="0"/>
-              <a:t>08.09.2018</a:t>
+              <a:t>09.09.2018</a:t>
             </a:fld>
             <a:endParaRPr lang="de-DE"/>
           </a:p>
@@ -1734,7 +1740,7 @@
           <a:p>
             <a:fld id="{6DF65EE4-EBA1-41EC-A507-81A8A28EEE10}" type="datetimeFigureOut">
               <a:rPr lang="de-DE" smtClean="0"/>
-              <a:t>08.09.2018</a:t>
+              <a:t>09.09.2018</a:t>
             </a:fld>
             <a:endParaRPr lang="de-DE"/>
           </a:p>
@@ -1999,7 +2005,7 @@
           <a:p>
             <a:fld id="{6DF65EE4-EBA1-41EC-A507-81A8A28EEE10}" type="datetimeFigureOut">
               <a:rPr lang="de-DE" smtClean="0"/>
-              <a:t>08.09.2018</a:t>
+              <a:t>09.09.2018</a:t>
             </a:fld>
             <a:endParaRPr lang="de-DE"/>
           </a:p>
@@ -2411,7 +2417,7 @@
           <a:p>
             <a:fld id="{6DF65EE4-EBA1-41EC-A507-81A8A28EEE10}" type="datetimeFigureOut">
               <a:rPr lang="de-DE" smtClean="0"/>
-              <a:t>08.09.2018</a:t>
+              <a:t>09.09.2018</a:t>
             </a:fld>
             <a:endParaRPr lang="de-DE"/>
           </a:p>
@@ -2552,7 +2558,7 @@
           <a:p>
             <a:fld id="{6DF65EE4-EBA1-41EC-A507-81A8A28EEE10}" type="datetimeFigureOut">
               <a:rPr lang="de-DE" smtClean="0"/>
-              <a:t>08.09.2018</a:t>
+              <a:t>09.09.2018</a:t>
             </a:fld>
             <a:endParaRPr lang="de-DE"/>
           </a:p>
@@ -2665,7 +2671,7 @@
           <a:p>
             <a:fld id="{6DF65EE4-EBA1-41EC-A507-81A8A28EEE10}" type="datetimeFigureOut">
               <a:rPr lang="de-DE" smtClean="0"/>
-              <a:t>08.09.2018</a:t>
+              <a:t>09.09.2018</a:t>
             </a:fld>
             <a:endParaRPr lang="de-DE"/>
           </a:p>
@@ -2976,7 +2982,7 @@
           <a:p>
             <a:fld id="{6DF65EE4-EBA1-41EC-A507-81A8A28EEE10}" type="datetimeFigureOut">
               <a:rPr lang="de-DE" smtClean="0"/>
-              <a:t>08.09.2018</a:t>
+              <a:t>09.09.2018</a:t>
             </a:fld>
             <a:endParaRPr lang="de-DE"/>
           </a:p>
@@ -3264,7 +3270,7 @@
           <a:p>
             <a:fld id="{6DF65EE4-EBA1-41EC-A507-81A8A28EEE10}" type="datetimeFigureOut">
               <a:rPr lang="de-DE" smtClean="0"/>
-              <a:t>08.09.2018</a:t>
+              <a:t>09.09.2018</a:t>
             </a:fld>
             <a:endParaRPr lang="de-DE"/>
           </a:p>
@@ -3541,7 +3547,7 @@
           <a:p>
             <a:fld id="{6DF65EE4-EBA1-41EC-A507-81A8A28EEE10}" type="datetimeFigureOut">
               <a:rPr lang="de-DE" smtClean="0"/>
-              <a:t>08.09.2018</a:t>
+              <a:t>09.09.2018</a:t>
             </a:fld>
             <a:endParaRPr lang="de-DE"/>
           </a:p>
@@ -4281,12 +4287,14 @@
           </a:xfrm>
         </p:spPr>
         <p:txBody>
-          <a:bodyPr/>
-          <a:lstStyle/>
-          <a:p>
-            <a:pPr marL="514350" indent="-514350">
-              <a:buFont typeface="+mj-lt"/>
-              <a:buAutoNum type="arabicPeriod"/>
+          <a:bodyPr>
+            <a:normAutofit fontScale="92500" lnSpcReduction="10000"/>
+          </a:bodyPr>
+          <a:lstStyle/>
+          <a:p>
+            <a:pPr>
+              <a:buFont typeface="Wingdings" panose="05000000000000000000" pitchFamily="2" charset="2"/>
+              <a:buChar char="§"/>
             </a:pPr>
             <a:r>
               <a:rPr lang="de-DE" dirty="0" err="1"/>
@@ -4335,40 +4343,78 @@
             <a:endParaRPr lang="de-DE" dirty="0"/>
           </a:p>
           <a:p>
-            <a:pPr marL="514350" indent="-514350">
-              <a:buFont typeface="+mj-lt"/>
-              <a:buAutoNum type="arabicPeriod"/>
+            <a:pPr>
+              <a:buFont typeface="Wingdings" panose="05000000000000000000" pitchFamily="2" charset="2"/>
+              <a:buChar char="§"/>
             </a:pPr>
             <a:r>
+              <a:rPr lang="en-US" dirty="0"/>
+              <a:t>Positive impact on the society</a:t>
+            </a:r>
+          </a:p>
+          <a:p>
+            <a:pPr>
+              <a:buFont typeface="Wingdings" panose="05000000000000000000" pitchFamily="2" charset="2"/>
+              <a:buChar char="§"/>
+            </a:pPr>
+            <a:r>
+              <a:rPr lang="de-DE" dirty="0" err="1"/>
+              <a:t>Lot`s</a:t>
+            </a:r>
+            <a:r>
               <a:rPr lang="de-DE" dirty="0"/>
-              <a:t>Many </a:t>
+              <a:t> </a:t>
             </a:r>
             <a:r>
               <a:rPr lang="de-DE" dirty="0" err="1"/>
-              <a:t>industrial</a:t>
+              <a:t>of</a:t>
             </a:r>
             <a:r>
               <a:rPr lang="de-DE" dirty="0"/>
-              <a:t> countries </a:t>
+              <a:t> </a:t>
             </a:r>
             <a:r>
               <a:rPr lang="de-DE" dirty="0" err="1"/>
-              <a:t>are</a:t>
+              <a:t>opportunities</a:t>
             </a:r>
             <a:r>
               <a:rPr lang="de-DE" dirty="0"/>
-              <a:t> in </a:t>
+              <a:t> </a:t>
             </a:r>
             <a:r>
               <a:rPr lang="de-DE" dirty="0" err="1"/>
-              <a:t>trouble</a:t>
+              <a:t>to</a:t>
+            </a:r>
+            <a:r>
+              <a:rPr lang="de-DE" dirty="0"/>
+              <a:t> </a:t>
+            </a:r>
+            <a:r>
+              <a:rPr lang="de-DE" dirty="0" err="1"/>
+              <a:t>improve</a:t>
+            </a:r>
+            <a:r>
+              <a:rPr lang="de-DE" dirty="0"/>
+              <a:t> social </a:t>
+            </a:r>
+            <a:r>
+              <a:rPr lang="de-DE" dirty="0" err="1"/>
+              <a:t>security</a:t>
+            </a:r>
+            <a:r>
+              <a:rPr lang="de-DE" dirty="0"/>
+              <a:t> </a:t>
+            </a:r>
+            <a:r>
+              <a:rPr lang="de-DE" dirty="0" err="1"/>
+              <a:t>systems</a:t>
             </a:r>
             <a:endParaRPr lang="de-DE" dirty="0"/>
           </a:p>
           <a:p>
-            <a:pPr marL="514350" indent="-514350">
-              <a:buFont typeface="+mj-lt"/>
-              <a:buAutoNum type="arabicPeriod"/>
+            <a:pPr>
+              <a:buFont typeface="Wingdings" panose="05000000000000000000" pitchFamily="2" charset="2"/>
+              <a:buChar char="§"/>
             </a:pPr>
             <a:r>
               <a:rPr lang="de-DE" dirty="0" err="1"/>
@@ -4393,37 +4439,38 @@
               <a:buNone/>
             </a:pPr>
             <a:r>
-              <a:rPr lang="de-DE" dirty="0" err="1"/>
+              <a:rPr lang="de-DE" sz="4400" dirty="0" err="1"/>
               <a:t>decentralization</a:t>
             </a:r>
             <a:r>
-              <a:rPr lang="de-DE" dirty="0"/>
+              <a:rPr lang="de-DE" sz="4400" dirty="0"/>
               <a:t> and </a:t>
             </a:r>
             <a:r>
-              <a:rPr lang="de-DE" dirty="0" err="1"/>
+              <a:rPr lang="de-DE" sz="4400" dirty="0" err="1"/>
               <a:t>crypto</a:t>
             </a:r>
             <a:r>
-              <a:rPr lang="de-DE" dirty="0"/>
+              <a:rPr lang="de-DE" sz="4400" dirty="0"/>
               <a:t> </a:t>
             </a:r>
             <a:r>
-              <a:rPr lang="de-DE" dirty="0" err="1"/>
+              <a:rPr lang="de-DE" sz="4400" dirty="0" err="1"/>
               <a:t>is</a:t>
             </a:r>
             <a:r>
-              <a:rPr lang="de-DE" dirty="0"/>
+              <a:rPr lang="de-DE" sz="4400" dirty="0"/>
               <a:t> </a:t>
             </a:r>
             <a:r>
-              <a:rPr lang="de-DE" dirty="0" err="1"/>
+              <a:rPr lang="de-DE" sz="4400" dirty="0" err="1"/>
               <a:t>awesome</a:t>
             </a:r>
             <a:r>
-              <a:rPr lang="de-DE" dirty="0"/>
+              <a:rPr lang="de-DE" sz="4400" dirty="0"/>
               <a:t>!!!</a:t>
             </a:r>
+            <a:endParaRPr lang="de-DE" dirty="0"/>
           </a:p>
           <a:p>
             <a:pPr marL="514350" indent="-514350">
@@ -4472,7 +4519,7 @@
                             </p:stCondLst>
                             <p:childTnLst>
                               <p:par>
-                                <p:cTn id="5" presetID="1" presetClass="entr" presetSubtype="0" fill="hold" nodeType="clickEffect">
+                                <p:cTn id="5" presetID="53" presetClass="entr" presetSubtype="16" fill="hold" nodeType="clickEffect">
                                   <p:stCondLst>
                                     <p:cond delay="0"/>
                                   </p:stCondLst>
@@ -4487,7 +4534,7 @@
                                         <p:tgtEl>
                                           <p:spTgt spid="3">
                                             <p:txEl>
-                                              <p:pRg st="5" end="5"/>
+                                              <p:pRg st="6" end="6"/>
                                             </p:txEl>
                                           </p:spTgt>
                                         </p:tgtEl>
@@ -4499,6 +4546,72 @@
                                         <p:strVal val="visible"/>
                                       </p:to>
                                     </p:set>
+                                    <p:anim calcmode="lin" valueType="num">
+                                      <p:cBhvr>
+                                        <p:cTn id="7" dur="500" fill="hold"/>
+                                        <p:tgtEl>
+                                          <p:spTgt spid="3">
+                                            <p:txEl>
+                                              <p:pRg st="6" end="6"/>
+                                            </p:txEl>
+                                          </p:spTgt>
+                                        </p:tgtEl>
+                                        <p:attrNameLst>
+                                          <p:attrName>ppt_w</p:attrName>
+                                        </p:attrNameLst>
+                                      </p:cBhvr>
+                                      <p:tavLst>
+                                        <p:tav tm="0">
+                                          <p:val>
+                                            <p:fltVal val="0"/>
+                                          </p:val>
+                                        </p:tav>
+                                        <p:tav tm="100000">
+                                          <p:val>
+                                            <p:strVal val="#ppt_w"/>
+                                          </p:val>
+                                        </p:tav>
+                                      </p:tavLst>
+                                    </p:anim>
+                                    <p:anim calcmode="lin" valueType="num">
+                                      <p:cBhvr>
+                                        <p:cTn id="8" dur="500" fill="hold"/>
+                                        <p:tgtEl>
+                                          <p:spTgt spid="3">
+                                            <p:txEl>
+                                              <p:pRg st="6" end="6"/>
+                                            </p:txEl>
+                                          </p:spTgt>
+                                        </p:tgtEl>
+                                        <p:attrNameLst>
+                                          <p:attrName>ppt_h</p:attrName>
+                                        </p:attrNameLst>
+                                      </p:cBhvr>
+                                      <p:tavLst>
+                                        <p:tav tm="0">
+                                          <p:val>
+                                            <p:fltVal val="0"/>
+                                          </p:val>
+                                        </p:tav>
+                                        <p:tav tm="100000">
+                                          <p:val>
+                                            <p:strVal val="#ppt_h"/>
+                                          </p:val>
+                                        </p:tav>
+                                      </p:tavLst>
+                                    </p:anim>
+                                    <p:animEffect transition="in" filter="fade">
+                                      <p:cBhvr>
+                                        <p:cTn id="9" dur="500"/>
+                                        <p:tgtEl>
+                                          <p:spTgt spid="3">
+                                            <p:txEl>
+                                              <p:pRg st="6" end="6"/>
+                                            </p:txEl>
+                                          </p:spTgt>
+                                        </p:tgtEl>
+                                      </p:cBhvr>
+                                    </p:animEffect>
                                   </p:childTnLst>
                                 </p:cTn>
                               </p:par>
@@ -4583,182 +4696,6 @@
           </a:p>
         </p:txBody>
       </p:sp>
-      <p:pic>
-        <p:nvPicPr>
-          <p:cNvPr id="5" name="Inhaltsplatzhalter 4">
-            <a:extLst>
-              <a:ext uri="{FF2B5EF4-FFF2-40B4-BE49-F238E27FC236}">
-                <a16:creationId xmlns:a16="http://schemas.microsoft.com/office/drawing/2014/main" id="{75B887D3-E289-4BD8-9BC7-E9544C31AF85}"/>
-              </a:ext>
-            </a:extLst>
-          </p:cNvPr>
-          <p:cNvPicPr>
-            <a:picLocks noGrp="1" noChangeAspect="1"/>
-          </p:cNvPicPr>
-          <p:nvPr>
-            <p:ph idx="1"/>
-          </p:nvPr>
-        </p:nvPicPr>
-        <p:blipFill>
-          <a:blip r:embed="rId2">
-            <a:extLst>
-              <a:ext uri="{28A0092B-C50C-407E-A947-70E740481C1C}">
-                <a14:useLocalDpi xmlns:a14="http://schemas.microsoft.com/office/drawing/2010/main" val="0"/>
-              </a:ext>
-            </a:extLst>
-          </a:blip>
-          <a:stretch>
-            <a:fillRect/>
-          </a:stretch>
-        </p:blipFill>
-        <p:spPr>
-          <a:xfrm>
-            <a:off x="838200" y="1545440"/>
-            <a:ext cx="10515600" cy="3109034"/>
-          </a:xfrm>
-        </p:spPr>
-      </p:pic>
-      <p:grpSp>
-        <p:nvGrpSpPr>
-          <p:cNvPr id="8" name="Gruppieren 7">
-            <a:extLst>
-              <a:ext uri="{FF2B5EF4-FFF2-40B4-BE49-F238E27FC236}">
-                <a16:creationId xmlns:a16="http://schemas.microsoft.com/office/drawing/2014/main" id="{421A5E87-340F-416E-BA4B-8E9002B6D3D0}"/>
-              </a:ext>
-            </a:extLst>
-          </p:cNvPr>
-          <p:cNvGrpSpPr/>
-          <p:nvPr/>
-        </p:nvGrpSpPr>
-        <p:grpSpPr>
-          <a:xfrm>
-            <a:off x="7903030" y="1659298"/>
-            <a:ext cx="3209103" cy="1356953"/>
-            <a:chOff x="7903030" y="1659298"/>
-            <a:chExt cx="3209103" cy="1356953"/>
-          </a:xfrm>
-        </p:grpSpPr>
-        <p:sp>
-          <p:nvSpPr>
-            <p:cNvPr id="6" name="Diagonaler Streifen 5">
-              <a:extLst>
-                <a:ext uri="{FF2B5EF4-FFF2-40B4-BE49-F238E27FC236}">
-                  <a16:creationId xmlns:a16="http://schemas.microsoft.com/office/drawing/2014/main" id="{2802EA4F-EE24-405E-A2F1-F710663FFAEB}"/>
-                </a:ext>
-              </a:extLst>
-            </p:cNvPr>
-            <p:cNvSpPr/>
-            <p:nvPr/>
-          </p:nvSpPr>
-          <p:spPr>
-            <a:xfrm>
-              <a:off x="7903030" y="1690688"/>
-              <a:ext cx="3187336" cy="1325563"/>
-            </a:xfrm>
-            <a:prstGeom prst="diagStripe">
-              <a:avLst>
-                <a:gd name="adj" fmla="val 76608"/>
-              </a:avLst>
-            </a:prstGeom>
-            <a:solidFill>
-              <a:srgbClr val="C00000"/>
-            </a:solidFill>
-            <a:ln>
-              <a:solidFill>
-                <a:srgbClr val="C00000"/>
-              </a:solidFill>
-            </a:ln>
-          </p:spPr>
-          <p:style>
-            <a:lnRef idx="2">
-              <a:schemeClr val="accent1">
-                <a:shade val="50000"/>
-              </a:schemeClr>
-            </a:lnRef>
-            <a:fillRef idx="1">
-              <a:schemeClr val="accent1"/>
-            </a:fillRef>
-            <a:effectRef idx="0">
-              <a:schemeClr val="accent1"/>
-            </a:effectRef>
-            <a:fontRef idx="minor">
-              <a:schemeClr val="lt1"/>
-            </a:fontRef>
-          </p:style>
-          <p:txBody>
-            <a:bodyPr rtlCol="0" anchor="ctr"/>
-            <a:lstStyle/>
-            <a:p>
-              <a:pPr algn="ctr"/>
-              <a:endParaRPr lang="de-DE">
-                <a:solidFill>
-                  <a:schemeClr val="tx1"/>
-                </a:solidFill>
-              </a:endParaRPr>
-            </a:p>
-          </p:txBody>
-        </p:sp>
-        <p:sp>
-          <p:nvSpPr>
-            <p:cNvPr id="7" name="Diagonaler Streifen 6">
-              <a:extLst>
-                <a:ext uri="{FF2B5EF4-FFF2-40B4-BE49-F238E27FC236}">
-                  <a16:creationId xmlns:a16="http://schemas.microsoft.com/office/drawing/2014/main" id="{BF9BE489-2E84-4EC8-BEDB-FA51B2C363F0}"/>
-                </a:ext>
-              </a:extLst>
-            </p:cNvPr>
-            <p:cNvSpPr/>
-            <p:nvPr/>
-          </p:nvSpPr>
-          <p:spPr>
-            <a:xfrm flipH="1">
-              <a:off x="7924798" y="1659298"/>
-              <a:ext cx="3187335" cy="1325563"/>
-            </a:xfrm>
-            <a:prstGeom prst="diagStripe">
-              <a:avLst>
-                <a:gd name="adj" fmla="val 76608"/>
-              </a:avLst>
-            </a:prstGeom>
-            <a:solidFill>
-              <a:srgbClr val="C00000"/>
-            </a:solidFill>
-            <a:ln>
-              <a:solidFill>
-                <a:srgbClr val="C00000"/>
-              </a:solidFill>
-            </a:ln>
-          </p:spPr>
-          <p:style>
-            <a:lnRef idx="2">
-              <a:schemeClr val="accent1">
-                <a:shade val="50000"/>
-              </a:schemeClr>
-            </a:lnRef>
-            <a:fillRef idx="1">
-              <a:schemeClr val="accent1"/>
-            </a:fillRef>
-            <a:effectRef idx="0">
-              <a:schemeClr val="accent1"/>
-            </a:effectRef>
-            <a:fontRef idx="minor">
-              <a:schemeClr val="lt1"/>
-            </a:fontRef>
-          </p:style>
-          <p:txBody>
-            <a:bodyPr rtlCol="0" anchor="ctr"/>
-            <a:lstStyle/>
-            <a:p>
-              <a:pPr algn="ctr"/>
-              <a:endParaRPr lang="de-DE">
-                <a:solidFill>
-                  <a:schemeClr val="tx1"/>
-                </a:solidFill>
-              </a:endParaRPr>
-            </a:p>
-          </p:txBody>
-        </p:sp>
-      </p:grpSp>
       <p:sp>
         <p:nvSpPr>
           <p:cNvPr id="13" name="Textfeld 12">
@@ -4964,6 +4901,43 @@
           </a:p>
         </p:txBody>
       </p:sp>
+      <p:pic>
+        <p:nvPicPr>
+          <p:cNvPr id="10" name="Grafik 9">
+            <a:extLst>
+              <a:ext uri="{FF2B5EF4-FFF2-40B4-BE49-F238E27FC236}">
+                <a16:creationId xmlns:a16="http://schemas.microsoft.com/office/drawing/2014/main" id="{90E41442-8C93-4480-AD5E-735F284930C8}"/>
+              </a:ext>
+            </a:extLst>
+          </p:cNvPr>
+          <p:cNvPicPr>
+            <a:picLocks noChangeAspect="1"/>
+          </p:cNvPicPr>
+          <p:nvPr/>
+        </p:nvPicPr>
+        <p:blipFill>
+          <a:blip r:embed="rId2"/>
+          <a:stretch>
+            <a:fillRect/>
+          </a:stretch>
+        </p:blipFill>
+        <p:spPr>
+          <a:xfrm>
+            <a:off x="353405" y="1546995"/>
+            <a:ext cx="11540158" cy="3247916"/>
+          </a:xfrm>
+          <a:prstGeom prst="rect">
+            <a:avLst/>
+          </a:prstGeom>
+          <a:effectLst>
+            <a:outerShdw blurRad="50800" dist="38100" dir="5400000" algn="t" rotWithShape="0">
+              <a:prstClr val="black">
+                <a:alpha val="40000"/>
+              </a:prstClr>
+            </a:outerShdw>
+          </a:effectLst>
+        </p:spPr>
+      </p:pic>
     </p:spTree>
     <p:extLst>
       <p:ext uri="{BB962C8B-B14F-4D97-AF65-F5344CB8AC3E}">
@@ -4974,135 +4948,6 @@
   <p:clrMapOvr>
     <a:masterClrMapping/>
   </p:clrMapOvr>
-  <p:timing>
-    <p:tnLst>
-      <p:par>
-        <p:cTn id="1" dur="indefinite" restart="never" nodeType="tmRoot">
-          <p:childTnLst>
-            <p:seq concurrent="1" nextAc="seek">
-              <p:cTn id="2" dur="indefinite" nodeType="mainSeq">
-                <p:childTnLst>
-                  <p:par>
-                    <p:cTn id="3" fill="hold">
-                      <p:stCondLst>
-                        <p:cond delay="indefinite"/>
-                      </p:stCondLst>
-                      <p:childTnLst>
-                        <p:par>
-                          <p:cTn id="4" fill="hold">
-                            <p:stCondLst>
-                              <p:cond delay="0"/>
-                            </p:stCondLst>
-                            <p:childTnLst>
-                              <p:par>
-                                <p:cTn id="5" presetID="53" presetClass="entr" presetSubtype="16" fill="hold" nodeType="clickEffect">
-                                  <p:stCondLst>
-                                    <p:cond delay="1000"/>
-                                  </p:stCondLst>
-                                  <p:childTnLst>
-                                    <p:set>
-                                      <p:cBhvr>
-                                        <p:cTn id="6" dur="1" fill="hold">
-                                          <p:stCondLst>
-                                            <p:cond delay="0"/>
-                                          </p:stCondLst>
-                                        </p:cTn>
-                                        <p:tgtEl>
-                                          <p:spTgt spid="8"/>
-                                        </p:tgtEl>
-                                        <p:attrNameLst>
-                                          <p:attrName>style.visibility</p:attrName>
-                                        </p:attrNameLst>
-                                      </p:cBhvr>
-                                      <p:to>
-                                        <p:strVal val="visible"/>
-                                      </p:to>
-                                    </p:set>
-                                    <p:anim calcmode="lin" valueType="num">
-                                      <p:cBhvr>
-                                        <p:cTn id="7" dur="500" fill="hold"/>
-                                        <p:tgtEl>
-                                          <p:spTgt spid="8"/>
-                                        </p:tgtEl>
-                                        <p:attrNameLst>
-                                          <p:attrName>ppt_w</p:attrName>
-                                        </p:attrNameLst>
-                                      </p:cBhvr>
-                                      <p:tavLst>
-                                        <p:tav tm="0">
-                                          <p:val>
-                                            <p:fltVal val="0"/>
-                                          </p:val>
-                                        </p:tav>
-                                        <p:tav tm="100000">
-                                          <p:val>
-                                            <p:strVal val="#ppt_w"/>
-                                          </p:val>
-                                        </p:tav>
-                                      </p:tavLst>
-                                    </p:anim>
-                                    <p:anim calcmode="lin" valueType="num">
-                                      <p:cBhvr>
-                                        <p:cTn id="8" dur="500" fill="hold"/>
-                                        <p:tgtEl>
-                                          <p:spTgt spid="8"/>
-                                        </p:tgtEl>
-                                        <p:attrNameLst>
-                                          <p:attrName>ppt_h</p:attrName>
-                                        </p:attrNameLst>
-                                      </p:cBhvr>
-                                      <p:tavLst>
-                                        <p:tav tm="0">
-                                          <p:val>
-                                            <p:fltVal val="0"/>
-                                          </p:val>
-                                        </p:tav>
-                                        <p:tav tm="100000">
-                                          <p:val>
-                                            <p:strVal val="#ppt_h"/>
-                                          </p:val>
-                                        </p:tav>
-                                      </p:tavLst>
-                                    </p:anim>
-                                    <p:animEffect transition="in" filter="fade">
-                                      <p:cBhvr>
-                                        <p:cTn id="9" dur="500"/>
-                                        <p:tgtEl>
-                                          <p:spTgt spid="8"/>
-                                        </p:tgtEl>
-                                      </p:cBhvr>
-                                    </p:animEffect>
-                                  </p:childTnLst>
-                                </p:cTn>
-                              </p:par>
-                            </p:childTnLst>
-                          </p:cTn>
-                        </p:par>
-                      </p:childTnLst>
-                    </p:cTn>
-                  </p:par>
-                </p:childTnLst>
-              </p:cTn>
-              <p:prevCondLst>
-                <p:cond evt="onPrev" delay="0">
-                  <p:tgtEl>
-                    <p:sldTgt/>
-                  </p:tgtEl>
-                </p:cond>
-              </p:prevCondLst>
-              <p:nextCondLst>
-                <p:cond evt="onNext" delay="0">
-                  <p:tgtEl>
-                    <p:sldTgt/>
-                  </p:tgtEl>
-                </p:cond>
-              </p:nextCondLst>
-            </p:seq>
-          </p:childTnLst>
-        </p:cTn>
-      </p:par>
-    </p:tnLst>
-  </p:timing>
 </p:sld>
 </file>
 
@@ -5151,8 +4996,8 @@
           </a:p>
         </p:txBody>
       </p:sp>
-      <mc:AlternateContent xmlns:mc="http://schemas.openxmlformats.org/markup-compatibility/2006">
-        <mc:Choice xmlns:a14="http://schemas.microsoft.com/office/drawing/2010/main" Requires="a14">
+      <mc:AlternateContent xmlns:mc="http://schemas.openxmlformats.org/markup-compatibility/2006" xmlns:a14="http://schemas.microsoft.com/office/drawing/2010/main">
+        <mc:Choice Requires="a14">
           <p:sp>
             <p:nvSpPr>
               <p:cNvPr id="3" name="Inhaltsplatzhalter 2">
@@ -5629,7 +5474,7 @@
             </p:txBody>
           </p:sp>
         </mc:Choice>
-        <mc:Fallback>
+        <mc:Fallback xmlns="">
           <p:sp>
             <p:nvSpPr>
               <p:cNvPr id="3" name="Inhaltsplatzhalter 2">
@@ -5754,7 +5599,9 @@
         </p:nvSpPr>
         <p:spPr/>
         <p:txBody>
-          <a:bodyPr/>
+          <a:bodyPr>
+            <a:normAutofit fontScale="92500" lnSpcReduction="20000"/>
+          </a:bodyPr>
           <a:lstStyle/>
           <a:p>
             <a:pPr marL="0" indent="0">
@@ -5762,7 +5609,7 @@
             </a:pPr>
             <a:r>
               <a:rPr lang="en-US" dirty="0"/>
-              <a:t>deposit(uint256 amount) public payable returns (bool)</a:t>
+              <a:t>contract Pension {</a:t>
             </a:r>
           </a:p>
           <a:p>
@@ -5777,7 +5624,22 @@
             </a:pPr>
             <a:r>
               <a:rPr lang="en-US" dirty="0"/>
-              <a:t>claim(uint16 year, uint8 month) public returns (bool)</a:t>
+              <a:t>	</a:t>
+            </a:r>
+            <a:r>
+              <a:rPr lang="en-US" dirty="0">
+                <a:solidFill>
+                  <a:schemeClr val="tx1">
+                    <a:lumMod val="95000"/>
+                    <a:lumOff val="5000"/>
+                  </a:schemeClr>
+                </a:solidFill>
+              </a:rPr>
+              <a:t>deposit</a:t>
+            </a:r>
+            <a:r>
+              <a:rPr lang="en-US" dirty="0"/>
+              <a:t>(uint256 amount) public payable returns (bool)</a:t>
             </a:r>
           </a:p>
           <a:p>
@@ -5792,7 +5654,52 @@
             </a:pPr>
             <a:r>
               <a:rPr lang="en-US" dirty="0"/>
-              <a:t>retire(uint256 amount) public returns (bool)</a:t>
+              <a:t>	</a:t>
+            </a:r>
+            <a:r>
+              <a:rPr lang="en-US" dirty="0">
+                <a:solidFill>
+                  <a:schemeClr val="tx1">
+                    <a:lumMod val="95000"/>
+                    <a:lumOff val="5000"/>
+                  </a:schemeClr>
+                </a:solidFill>
+              </a:rPr>
+              <a:t>claim</a:t>
+            </a:r>
+            <a:r>
+              <a:rPr lang="en-US" dirty="0"/>
+              <a:t>(uint16 year, uint8 month) public returns (bool)</a:t>
+            </a:r>
+          </a:p>
+          <a:p>
+            <a:pPr marL="0" indent="0">
+              <a:buNone/>
+            </a:pPr>
+            <a:endParaRPr lang="en-US" dirty="0"/>
+          </a:p>
+          <a:p>
+            <a:pPr marL="0" indent="0">
+              <a:buNone/>
+            </a:pPr>
+            <a:r>
+              <a:rPr lang="en-US" dirty="0"/>
+              <a:t>	</a:t>
+            </a:r>
+            <a:r>
+              <a:rPr lang="en-US" dirty="0">
+                <a:solidFill>
+                  <a:schemeClr val="tx1">
+                    <a:lumMod val="95000"/>
+                    <a:lumOff val="5000"/>
+                  </a:schemeClr>
+                </a:solidFill>
+              </a:rPr>
+              <a:t>retire</a:t>
+            </a:r>
+            <a:r>
+              <a:rPr lang="en-US" dirty="0"/>
+              <a:t>(uint256 amount) public returns (bool)</a:t>
             </a:r>
           </a:p>
           <a:p>
@@ -5807,7 +5714,31 @@
             </a:pPr>
             <a:r>
               <a:rPr lang="en-US" dirty="0"/>
-              <a:t>withdraw(uint16 year, uint8 month) public returns (bool)</a:t>
+              <a:t>	</a:t>
+            </a:r>
+            <a:r>
+              <a:rPr lang="en-US" dirty="0">
+                <a:solidFill>
+                  <a:schemeClr val="tx1">
+                    <a:lumMod val="95000"/>
+                    <a:lumOff val="5000"/>
+                  </a:schemeClr>
+                </a:solidFill>
+              </a:rPr>
+              <a:t>withdraw</a:t>
+            </a:r>
+            <a:r>
+              <a:rPr lang="en-US" dirty="0"/>
+              <a:t>(uint16 year, uint8 month) public returns (bool)</a:t>
+            </a:r>
+          </a:p>
+          <a:p>
+            <a:pPr marL="0" indent="0">
+              <a:buNone/>
+            </a:pPr>
+            <a:r>
+              <a:rPr lang="en-US" dirty="0"/>
+              <a:t>}</a:t>
             </a:r>
             <a:endParaRPr lang="de-DE" dirty="0"/>
           </a:p>
@@ -5848,6 +5779,842 @@
           <p:cNvPr id="2" name="Titel 1">
             <a:extLst>
               <a:ext uri="{FF2B5EF4-FFF2-40B4-BE49-F238E27FC236}">
+                <a16:creationId xmlns:a16="http://schemas.microsoft.com/office/drawing/2014/main" id="{4BBE45EA-5E5D-45BE-84C7-B6CE0F4AA859}"/>
+              </a:ext>
+            </a:extLst>
+          </p:cNvPr>
+          <p:cNvSpPr>
+            <a:spLocks noGrp="1"/>
+          </p:cNvSpPr>
+          <p:nvPr>
+            <p:ph type="title"/>
+          </p:nvPr>
+        </p:nvSpPr>
+        <p:spPr/>
+        <p:txBody>
+          <a:bodyPr/>
+          <a:lstStyle/>
+          <a:p>
+            <a:r>
+              <a:rPr lang="de-DE" dirty="0"/>
+              <a:t>WHAT IS DONE</a:t>
+            </a:r>
+          </a:p>
+        </p:txBody>
+      </p:sp>
+      <p:sp>
+        <p:nvSpPr>
+          <p:cNvPr id="4" name="Rechteck 3">
+            <a:extLst>
+              <a:ext uri="{FF2B5EF4-FFF2-40B4-BE49-F238E27FC236}">
+                <a16:creationId xmlns:a16="http://schemas.microsoft.com/office/drawing/2014/main" id="{12A9DB27-6B59-40BC-AEB8-A55E4151E043}"/>
+              </a:ext>
+            </a:extLst>
+          </p:cNvPr>
+          <p:cNvSpPr/>
+          <p:nvPr/>
+        </p:nvSpPr>
+        <p:spPr>
+          <a:xfrm>
+            <a:off x="7302136" y="1863681"/>
+            <a:ext cx="4153989" cy="195852"/>
+          </a:xfrm>
+          <a:prstGeom prst="rect">
+            <a:avLst/>
+          </a:prstGeom>
+          <a:solidFill>
+            <a:schemeClr val="bg1">
+              <a:lumMod val="50000"/>
+            </a:schemeClr>
+          </a:solidFill>
+        </p:spPr>
+        <p:style>
+          <a:lnRef idx="2">
+            <a:schemeClr val="accent1">
+              <a:shade val="50000"/>
+            </a:schemeClr>
+          </a:lnRef>
+          <a:fillRef idx="1">
+            <a:schemeClr val="accent1"/>
+          </a:fillRef>
+          <a:effectRef idx="0">
+            <a:schemeClr val="accent1"/>
+          </a:effectRef>
+          <a:fontRef idx="minor">
+            <a:schemeClr val="lt1"/>
+          </a:fontRef>
+        </p:style>
+        <p:txBody>
+          <a:bodyPr rtlCol="0" anchor="ctr"/>
+          <a:lstStyle/>
+          <a:p>
+            <a:pPr algn="ctr"/>
+            <a:endParaRPr lang="de-DE">
+              <a:solidFill>
+                <a:schemeClr val="tx1">
+                  <a:lumMod val="95000"/>
+                  <a:lumOff val="5000"/>
+                </a:schemeClr>
+              </a:solidFill>
+            </a:endParaRPr>
+          </a:p>
+        </p:txBody>
+      </p:sp>
+      <p:sp>
+        <p:nvSpPr>
+          <p:cNvPr id="5" name="Rechteck 4">
+            <a:extLst>
+              <a:ext uri="{FF2B5EF4-FFF2-40B4-BE49-F238E27FC236}">
+                <a16:creationId xmlns:a16="http://schemas.microsoft.com/office/drawing/2014/main" id="{02ECB684-22F8-45D4-B81B-3A35C499D6EB}"/>
+              </a:ext>
+            </a:extLst>
+          </p:cNvPr>
+          <p:cNvSpPr/>
+          <p:nvPr/>
+        </p:nvSpPr>
+        <p:spPr>
+          <a:xfrm>
+            <a:off x="7302136" y="2318726"/>
+            <a:ext cx="4153989" cy="195852"/>
+          </a:xfrm>
+          <a:prstGeom prst="rect">
+            <a:avLst/>
+          </a:prstGeom>
+          <a:solidFill>
+            <a:schemeClr val="bg1">
+              <a:lumMod val="50000"/>
+            </a:schemeClr>
+          </a:solidFill>
+        </p:spPr>
+        <p:style>
+          <a:lnRef idx="2">
+            <a:schemeClr val="accent1">
+              <a:shade val="50000"/>
+            </a:schemeClr>
+          </a:lnRef>
+          <a:fillRef idx="1">
+            <a:schemeClr val="accent1"/>
+          </a:fillRef>
+          <a:effectRef idx="0">
+            <a:schemeClr val="accent1"/>
+          </a:effectRef>
+          <a:fontRef idx="minor">
+            <a:schemeClr val="lt1"/>
+          </a:fontRef>
+        </p:style>
+        <p:txBody>
+          <a:bodyPr rtlCol="0" anchor="ctr"/>
+          <a:lstStyle/>
+          <a:p>
+            <a:pPr algn="ctr"/>
+            <a:endParaRPr lang="de-DE">
+              <a:solidFill>
+                <a:schemeClr val="tx1">
+                  <a:lumMod val="95000"/>
+                  <a:lumOff val="5000"/>
+                </a:schemeClr>
+              </a:solidFill>
+            </a:endParaRPr>
+          </a:p>
+        </p:txBody>
+      </p:sp>
+      <p:sp>
+        <p:nvSpPr>
+          <p:cNvPr id="6" name="Rechteck 5">
+            <a:extLst>
+              <a:ext uri="{FF2B5EF4-FFF2-40B4-BE49-F238E27FC236}">
+                <a16:creationId xmlns:a16="http://schemas.microsoft.com/office/drawing/2014/main" id="{BCA696EB-EA41-4A5A-ACDD-1C5CF975AA13}"/>
+              </a:ext>
+            </a:extLst>
+          </p:cNvPr>
+          <p:cNvSpPr/>
+          <p:nvPr/>
+        </p:nvSpPr>
+        <p:spPr>
+          <a:xfrm>
+            <a:off x="7302136" y="2773772"/>
+            <a:ext cx="4153989" cy="195852"/>
+          </a:xfrm>
+          <a:prstGeom prst="rect">
+            <a:avLst/>
+          </a:prstGeom>
+          <a:solidFill>
+            <a:schemeClr val="bg1">
+              <a:lumMod val="50000"/>
+            </a:schemeClr>
+          </a:solidFill>
+        </p:spPr>
+        <p:style>
+          <a:lnRef idx="2">
+            <a:schemeClr val="accent1">
+              <a:shade val="50000"/>
+            </a:schemeClr>
+          </a:lnRef>
+          <a:fillRef idx="1">
+            <a:schemeClr val="accent1"/>
+          </a:fillRef>
+          <a:effectRef idx="0">
+            <a:schemeClr val="accent1"/>
+          </a:effectRef>
+          <a:fontRef idx="minor">
+            <a:schemeClr val="lt1"/>
+          </a:fontRef>
+        </p:style>
+        <p:txBody>
+          <a:bodyPr rtlCol="0" anchor="ctr"/>
+          <a:lstStyle/>
+          <a:p>
+            <a:pPr algn="ctr"/>
+            <a:endParaRPr lang="de-DE">
+              <a:solidFill>
+                <a:schemeClr val="tx1">
+                  <a:lumMod val="95000"/>
+                  <a:lumOff val="5000"/>
+                </a:schemeClr>
+              </a:solidFill>
+            </a:endParaRPr>
+          </a:p>
+        </p:txBody>
+      </p:sp>
+      <p:sp>
+        <p:nvSpPr>
+          <p:cNvPr id="7" name="Rechteck 6">
+            <a:extLst>
+              <a:ext uri="{FF2B5EF4-FFF2-40B4-BE49-F238E27FC236}">
+                <a16:creationId xmlns:a16="http://schemas.microsoft.com/office/drawing/2014/main" id="{7DB440A1-3189-4F1D-BE2D-A1C6999363D4}"/>
+              </a:ext>
+            </a:extLst>
+          </p:cNvPr>
+          <p:cNvSpPr/>
+          <p:nvPr/>
+        </p:nvSpPr>
+        <p:spPr>
+          <a:xfrm>
+            <a:off x="7302136" y="3206932"/>
+            <a:ext cx="4153989" cy="195852"/>
+          </a:xfrm>
+          <a:prstGeom prst="rect">
+            <a:avLst/>
+          </a:prstGeom>
+          <a:solidFill>
+            <a:schemeClr val="bg1">
+              <a:lumMod val="50000"/>
+            </a:schemeClr>
+          </a:solidFill>
+        </p:spPr>
+        <p:style>
+          <a:lnRef idx="2">
+            <a:schemeClr val="accent1">
+              <a:shade val="50000"/>
+            </a:schemeClr>
+          </a:lnRef>
+          <a:fillRef idx="1">
+            <a:schemeClr val="accent1"/>
+          </a:fillRef>
+          <a:effectRef idx="0">
+            <a:schemeClr val="accent1"/>
+          </a:effectRef>
+          <a:fontRef idx="minor">
+            <a:schemeClr val="lt1"/>
+          </a:fontRef>
+        </p:style>
+        <p:txBody>
+          <a:bodyPr rtlCol="0" anchor="ctr"/>
+          <a:lstStyle/>
+          <a:p>
+            <a:pPr algn="ctr"/>
+            <a:endParaRPr lang="de-DE">
+              <a:solidFill>
+                <a:schemeClr val="tx1">
+                  <a:lumMod val="95000"/>
+                  <a:lumOff val="5000"/>
+                </a:schemeClr>
+              </a:solidFill>
+            </a:endParaRPr>
+          </a:p>
+        </p:txBody>
+      </p:sp>
+      <p:sp>
+        <p:nvSpPr>
+          <p:cNvPr id="8" name="Rechteck 7">
+            <a:extLst>
+              <a:ext uri="{FF2B5EF4-FFF2-40B4-BE49-F238E27FC236}">
+                <a16:creationId xmlns:a16="http://schemas.microsoft.com/office/drawing/2014/main" id="{7D2A44F2-1A8E-4554-9E16-903DF60DFBE1}"/>
+              </a:ext>
+            </a:extLst>
+          </p:cNvPr>
+          <p:cNvSpPr/>
+          <p:nvPr/>
+        </p:nvSpPr>
+        <p:spPr>
+          <a:xfrm>
+            <a:off x="7302136" y="5826126"/>
+            <a:ext cx="4153989" cy="195852"/>
+          </a:xfrm>
+          <a:prstGeom prst="rect">
+            <a:avLst/>
+          </a:prstGeom>
+          <a:solidFill>
+            <a:schemeClr val="bg1">
+              <a:lumMod val="50000"/>
+            </a:schemeClr>
+          </a:solidFill>
+        </p:spPr>
+        <p:style>
+          <a:lnRef idx="2">
+            <a:schemeClr val="accent1">
+              <a:shade val="50000"/>
+            </a:schemeClr>
+          </a:lnRef>
+          <a:fillRef idx="1">
+            <a:schemeClr val="accent1"/>
+          </a:fillRef>
+          <a:effectRef idx="0">
+            <a:schemeClr val="accent1"/>
+          </a:effectRef>
+          <a:fontRef idx="minor">
+            <a:schemeClr val="lt1"/>
+          </a:fontRef>
+        </p:style>
+        <p:txBody>
+          <a:bodyPr rtlCol="0" anchor="ctr"/>
+          <a:lstStyle/>
+          <a:p>
+            <a:pPr algn="ctr"/>
+            <a:endParaRPr lang="de-DE">
+              <a:solidFill>
+                <a:schemeClr val="tx1">
+                  <a:lumMod val="95000"/>
+                  <a:lumOff val="5000"/>
+                </a:schemeClr>
+              </a:solidFill>
+            </a:endParaRPr>
+          </a:p>
+        </p:txBody>
+      </p:sp>
+      <p:sp>
+        <p:nvSpPr>
+          <p:cNvPr id="9" name="Rechteck 8">
+            <a:extLst>
+              <a:ext uri="{FF2B5EF4-FFF2-40B4-BE49-F238E27FC236}">
+                <a16:creationId xmlns:a16="http://schemas.microsoft.com/office/drawing/2014/main" id="{91DFC491-284A-4A86-8828-BC3690BB570E}"/>
+              </a:ext>
+            </a:extLst>
+          </p:cNvPr>
+          <p:cNvSpPr/>
+          <p:nvPr/>
+        </p:nvSpPr>
+        <p:spPr>
+          <a:xfrm>
+            <a:off x="7302137" y="1863681"/>
+            <a:ext cx="3396344" cy="200910"/>
+          </a:xfrm>
+          <a:prstGeom prst="rect">
+            <a:avLst/>
+          </a:prstGeom>
+          <a:solidFill>
+            <a:srgbClr val="00B050"/>
+          </a:solidFill>
+        </p:spPr>
+        <p:style>
+          <a:lnRef idx="2">
+            <a:schemeClr val="accent1">
+              <a:shade val="50000"/>
+            </a:schemeClr>
+          </a:lnRef>
+          <a:fillRef idx="1">
+            <a:schemeClr val="accent1"/>
+          </a:fillRef>
+          <a:effectRef idx="0">
+            <a:schemeClr val="accent1"/>
+          </a:effectRef>
+          <a:fontRef idx="minor">
+            <a:schemeClr val="lt1"/>
+          </a:fontRef>
+        </p:style>
+        <p:txBody>
+          <a:bodyPr rtlCol="0" anchor="ctr"/>
+          <a:lstStyle/>
+          <a:p>
+            <a:pPr algn="ctr"/>
+            <a:endParaRPr lang="de-DE">
+              <a:solidFill>
+                <a:schemeClr val="tx1">
+                  <a:lumMod val="95000"/>
+                  <a:lumOff val="5000"/>
+                </a:schemeClr>
+              </a:solidFill>
+            </a:endParaRPr>
+          </a:p>
+        </p:txBody>
+      </p:sp>
+      <p:sp>
+        <p:nvSpPr>
+          <p:cNvPr id="10" name="Rechteck 9">
+            <a:extLst>
+              <a:ext uri="{FF2B5EF4-FFF2-40B4-BE49-F238E27FC236}">
+                <a16:creationId xmlns:a16="http://schemas.microsoft.com/office/drawing/2014/main" id="{10CE69C5-D455-4026-9575-DC65E86D10C1}"/>
+              </a:ext>
+            </a:extLst>
+          </p:cNvPr>
+          <p:cNvSpPr/>
+          <p:nvPr/>
+        </p:nvSpPr>
+        <p:spPr>
+          <a:xfrm>
+            <a:off x="7302135" y="5826126"/>
+            <a:ext cx="3840481" cy="203362"/>
+          </a:xfrm>
+          <a:prstGeom prst="rect">
+            <a:avLst/>
+          </a:prstGeom>
+          <a:solidFill>
+            <a:srgbClr val="00B050"/>
+          </a:solidFill>
+        </p:spPr>
+        <p:style>
+          <a:lnRef idx="2">
+            <a:schemeClr val="accent1">
+              <a:shade val="50000"/>
+            </a:schemeClr>
+          </a:lnRef>
+          <a:fillRef idx="1">
+            <a:schemeClr val="accent1"/>
+          </a:fillRef>
+          <a:effectRef idx="0">
+            <a:schemeClr val="accent1"/>
+          </a:effectRef>
+          <a:fontRef idx="minor">
+            <a:schemeClr val="lt1"/>
+          </a:fontRef>
+        </p:style>
+        <p:txBody>
+          <a:bodyPr rtlCol="0" anchor="ctr"/>
+          <a:lstStyle/>
+          <a:p>
+            <a:pPr algn="ctr"/>
+            <a:endParaRPr lang="de-DE">
+              <a:solidFill>
+                <a:schemeClr val="tx1">
+                  <a:lumMod val="95000"/>
+                  <a:lumOff val="5000"/>
+                </a:schemeClr>
+              </a:solidFill>
+            </a:endParaRPr>
+          </a:p>
+        </p:txBody>
+      </p:sp>
+      <p:sp>
+        <p:nvSpPr>
+          <p:cNvPr id="12" name="Rechteck 11">
+            <a:extLst>
+              <a:ext uri="{FF2B5EF4-FFF2-40B4-BE49-F238E27FC236}">
+                <a16:creationId xmlns:a16="http://schemas.microsoft.com/office/drawing/2014/main" id="{E72AF0CF-3DD5-486F-B614-6CE1A7567AD3}"/>
+              </a:ext>
+            </a:extLst>
+          </p:cNvPr>
+          <p:cNvSpPr/>
+          <p:nvPr/>
+        </p:nvSpPr>
+        <p:spPr>
+          <a:xfrm>
+            <a:off x="7302136" y="3209383"/>
+            <a:ext cx="3213464" cy="195852"/>
+          </a:xfrm>
+          <a:prstGeom prst="rect">
+            <a:avLst/>
+          </a:prstGeom>
+          <a:solidFill>
+            <a:srgbClr val="00B050"/>
+          </a:solidFill>
+        </p:spPr>
+        <p:style>
+          <a:lnRef idx="2">
+            <a:schemeClr val="accent1">
+              <a:shade val="50000"/>
+            </a:schemeClr>
+          </a:lnRef>
+          <a:fillRef idx="1">
+            <a:schemeClr val="accent1"/>
+          </a:fillRef>
+          <a:effectRef idx="0">
+            <a:schemeClr val="accent1"/>
+          </a:effectRef>
+          <a:fontRef idx="minor">
+            <a:schemeClr val="lt1"/>
+          </a:fontRef>
+        </p:style>
+        <p:txBody>
+          <a:bodyPr rtlCol="0" anchor="ctr"/>
+          <a:lstStyle/>
+          <a:p>
+            <a:pPr algn="ctr"/>
+            <a:endParaRPr lang="de-DE">
+              <a:solidFill>
+                <a:schemeClr val="tx1">
+                  <a:lumMod val="95000"/>
+                  <a:lumOff val="5000"/>
+                </a:schemeClr>
+              </a:solidFill>
+            </a:endParaRPr>
+          </a:p>
+        </p:txBody>
+      </p:sp>
+      <p:sp>
+        <p:nvSpPr>
+          <p:cNvPr id="13" name="Rechteck 12">
+            <a:extLst>
+              <a:ext uri="{FF2B5EF4-FFF2-40B4-BE49-F238E27FC236}">
+                <a16:creationId xmlns:a16="http://schemas.microsoft.com/office/drawing/2014/main" id="{12E54384-8845-4ADB-A5E2-30655C2DFE0D}"/>
+              </a:ext>
+            </a:extLst>
+          </p:cNvPr>
+          <p:cNvSpPr/>
+          <p:nvPr/>
+        </p:nvSpPr>
+        <p:spPr>
+          <a:xfrm>
+            <a:off x="7302136" y="2768713"/>
+            <a:ext cx="1672047" cy="203362"/>
+          </a:xfrm>
+          <a:prstGeom prst="rect">
+            <a:avLst/>
+          </a:prstGeom>
+          <a:solidFill>
+            <a:srgbClr val="00B050"/>
+          </a:solidFill>
+        </p:spPr>
+        <p:style>
+          <a:lnRef idx="2">
+            <a:schemeClr val="accent1">
+              <a:shade val="50000"/>
+            </a:schemeClr>
+          </a:lnRef>
+          <a:fillRef idx="1">
+            <a:schemeClr val="accent1"/>
+          </a:fillRef>
+          <a:effectRef idx="0">
+            <a:schemeClr val="accent1"/>
+          </a:effectRef>
+          <a:fontRef idx="minor">
+            <a:schemeClr val="lt1"/>
+          </a:fontRef>
+        </p:style>
+        <p:txBody>
+          <a:bodyPr rtlCol="0" anchor="ctr"/>
+          <a:lstStyle/>
+          <a:p>
+            <a:pPr algn="ctr"/>
+            <a:endParaRPr lang="de-DE" dirty="0">
+              <a:solidFill>
+                <a:schemeClr val="tx1">
+                  <a:lumMod val="95000"/>
+                  <a:lumOff val="5000"/>
+                </a:schemeClr>
+              </a:solidFill>
+            </a:endParaRPr>
+          </a:p>
+        </p:txBody>
+      </p:sp>
+      <p:sp>
+        <p:nvSpPr>
+          <p:cNvPr id="3" name="Inhaltsplatzhalter 2">
+            <a:extLst>
+              <a:ext uri="{FF2B5EF4-FFF2-40B4-BE49-F238E27FC236}">
+                <a16:creationId xmlns:a16="http://schemas.microsoft.com/office/drawing/2014/main" id="{7638B27C-EF34-44D9-8C67-A2AEE63B9A45}"/>
+              </a:ext>
+            </a:extLst>
+          </p:cNvPr>
+          <p:cNvSpPr>
+            <a:spLocks noGrp="1"/>
+          </p:cNvSpPr>
+          <p:nvPr>
+            <p:ph idx="1"/>
+          </p:nvPr>
+        </p:nvSpPr>
+        <p:spPr>
+          <a:xfrm>
+            <a:off x="838200" y="1825625"/>
+            <a:ext cx="10774680" cy="4351338"/>
+          </a:xfrm>
+        </p:spPr>
+        <p:txBody>
+          <a:bodyPr>
+            <a:normAutofit fontScale="92500" lnSpcReduction="10000"/>
+          </a:bodyPr>
+          <a:lstStyle/>
+          <a:p>
+            <a:pPr>
+              <a:buFont typeface="Wingdings" panose="05000000000000000000" pitchFamily="2" charset="2"/>
+              <a:buChar char="§"/>
+            </a:pPr>
+            <a:r>
+              <a:rPr lang="de-DE" dirty="0" err="1"/>
+              <a:t>Smartcontract</a:t>
+            </a:r>
+            <a:r>
+              <a:rPr lang="de-DE" dirty="0"/>
+              <a:t> </a:t>
+            </a:r>
+            <a:r>
+              <a:rPr lang="de-DE" dirty="0" err="1"/>
+              <a:t>structure</a:t>
+            </a:r>
+            <a:r>
+              <a:rPr lang="de-DE" dirty="0"/>
+              <a:t>					</a:t>
+            </a:r>
+          </a:p>
+          <a:p>
+            <a:pPr>
+              <a:buFont typeface="Wingdings" panose="05000000000000000000" pitchFamily="2" charset="2"/>
+              <a:buChar char="§"/>
+            </a:pPr>
+            <a:r>
+              <a:rPr lang="de-DE" dirty="0" err="1"/>
+              <a:t>dApp</a:t>
+            </a:r>
+            <a:r>
+              <a:rPr lang="de-DE" dirty="0"/>
+              <a:t>					</a:t>
+            </a:r>
+          </a:p>
+          <a:p>
+            <a:pPr>
+              <a:buFont typeface="Wingdings" panose="05000000000000000000" pitchFamily="2" charset="2"/>
+              <a:buChar char="§"/>
+            </a:pPr>
+            <a:r>
+              <a:rPr lang="de-DE" dirty="0"/>
+              <a:t>Simulation 							</a:t>
+            </a:r>
+          </a:p>
+          <a:p>
+            <a:pPr>
+              <a:buFont typeface="Wingdings" panose="05000000000000000000" pitchFamily="2" charset="2"/>
+              <a:buChar char="§"/>
+            </a:pPr>
+            <a:r>
+              <a:rPr lang="de-DE" dirty="0" err="1"/>
+              <a:t>Pensions</a:t>
+            </a:r>
+            <a:r>
+              <a:rPr lang="de-DE" dirty="0"/>
+              <a:t> Components						</a:t>
+            </a:r>
+          </a:p>
+          <a:p>
+            <a:pPr lvl="1"/>
+            <a:r>
+              <a:rPr lang="de-DE" dirty="0"/>
+              <a:t>Payment</a:t>
+            </a:r>
+          </a:p>
+          <a:p>
+            <a:pPr lvl="2">
+              <a:buFont typeface="Wingdings" panose="05000000000000000000" pitchFamily="2" charset="2"/>
+              <a:buChar char="ü"/>
+            </a:pPr>
+            <a:r>
+              <a:rPr lang="de-DE" dirty="0"/>
+              <a:t>Early Access </a:t>
+            </a:r>
+            <a:r>
+              <a:rPr lang="de-DE" dirty="0" err="1"/>
+              <a:t>incentivation</a:t>
+            </a:r>
+            <a:endParaRPr lang="de-DE" dirty="0"/>
+          </a:p>
+          <a:p>
+            <a:pPr lvl="2">
+              <a:buFont typeface="Wingdings" panose="05000000000000000000" pitchFamily="2" charset="2"/>
+              <a:buChar char="ü"/>
+            </a:pPr>
+            <a:r>
+              <a:rPr lang="de-DE" dirty="0" err="1"/>
+              <a:t>Longterm</a:t>
+            </a:r>
+            <a:r>
+              <a:rPr lang="de-DE" dirty="0"/>
+              <a:t> </a:t>
+            </a:r>
+            <a:r>
+              <a:rPr lang="de-DE" dirty="0" err="1"/>
+              <a:t>incentivation</a:t>
+            </a:r>
+            <a:endParaRPr lang="de-DE" dirty="0"/>
+          </a:p>
+          <a:p>
+            <a:pPr lvl="2">
+              <a:buFont typeface="Wingdings" panose="05000000000000000000" pitchFamily="2" charset="2"/>
+              <a:buChar char="ü"/>
+            </a:pPr>
+            <a:r>
+              <a:rPr lang="de-DE" dirty="0"/>
+              <a:t>Pay </a:t>
+            </a:r>
+            <a:r>
+              <a:rPr lang="de-DE" dirty="0" err="1"/>
+              <a:t>more</a:t>
+            </a:r>
+            <a:r>
+              <a:rPr lang="de-DE" dirty="0"/>
+              <a:t> </a:t>
+            </a:r>
+            <a:r>
+              <a:rPr lang="de-DE" dirty="0" err="1"/>
+              <a:t>incentivation</a:t>
+            </a:r>
+            <a:endParaRPr lang="de-DE" dirty="0"/>
+          </a:p>
+          <a:p>
+            <a:pPr lvl="1"/>
+            <a:r>
+              <a:rPr lang="de-DE" dirty="0"/>
+              <a:t>Payouts</a:t>
+            </a:r>
+          </a:p>
+          <a:p>
+            <a:pPr lvl="2">
+              <a:buFont typeface="Wingdings" panose="05000000000000000000" pitchFamily="2" charset="2"/>
+              <a:buChar char="ü"/>
+            </a:pPr>
+            <a:r>
+              <a:rPr lang="de-DE" dirty="0"/>
+              <a:t>Zero game </a:t>
+            </a:r>
+            <a:r>
+              <a:rPr lang="de-DE" dirty="0" err="1"/>
+              <a:t>payouts</a:t>
+            </a:r>
+            <a:endParaRPr lang="de-DE" dirty="0"/>
+          </a:p>
+          <a:p>
+            <a:pPr lvl="2">
+              <a:buFont typeface="Symbol" panose="05050102010706020507" pitchFamily="18" charset="2"/>
+              <a:buChar char="-"/>
+            </a:pPr>
+            <a:r>
+              <a:rPr lang="de-DE" dirty="0" err="1"/>
+              <a:t>Leave</a:t>
+            </a:r>
+            <a:r>
+              <a:rPr lang="de-DE" dirty="0"/>
+              <a:t> last </a:t>
+            </a:r>
+            <a:r>
+              <a:rPr lang="de-DE" dirty="0" err="1"/>
+              <a:t>incentivation</a:t>
+            </a:r>
+            <a:endParaRPr lang="de-DE" dirty="0"/>
+          </a:p>
+          <a:p>
+            <a:pPr>
+              <a:buFont typeface="Wingdings" panose="05000000000000000000" pitchFamily="2" charset="2"/>
+              <a:buChar char="§"/>
+            </a:pPr>
+            <a:r>
+              <a:rPr lang="de-DE" dirty="0" err="1"/>
+              <a:t>Deployment</a:t>
+            </a:r>
+            <a:r>
+              <a:rPr lang="de-DE" dirty="0"/>
+              <a:t>							</a:t>
+            </a:r>
+          </a:p>
+        </p:txBody>
+      </p:sp>
+      <p:sp>
+        <p:nvSpPr>
+          <p:cNvPr id="11" name="Rechteck 10">
+            <a:extLst>
+              <a:ext uri="{FF2B5EF4-FFF2-40B4-BE49-F238E27FC236}">
+                <a16:creationId xmlns:a16="http://schemas.microsoft.com/office/drawing/2014/main" id="{7323E632-73B1-4E7A-9C56-D5F29FA58DD2}"/>
+              </a:ext>
+            </a:extLst>
+          </p:cNvPr>
+          <p:cNvSpPr/>
+          <p:nvPr/>
+        </p:nvSpPr>
+        <p:spPr>
+          <a:xfrm>
+            <a:off x="7302136" y="2322491"/>
+            <a:ext cx="809898" cy="203362"/>
+          </a:xfrm>
+          <a:prstGeom prst="rect">
+            <a:avLst/>
+          </a:prstGeom>
+          <a:solidFill>
+            <a:srgbClr val="00B050"/>
+          </a:solidFill>
+        </p:spPr>
+        <p:style>
+          <a:lnRef idx="2">
+            <a:schemeClr val="accent1">
+              <a:shade val="50000"/>
+            </a:schemeClr>
+          </a:lnRef>
+          <a:fillRef idx="1">
+            <a:schemeClr val="accent1"/>
+          </a:fillRef>
+          <a:effectRef idx="0">
+            <a:schemeClr val="accent1"/>
+          </a:effectRef>
+          <a:fontRef idx="minor">
+            <a:schemeClr val="lt1"/>
+          </a:fontRef>
+        </p:style>
+        <p:txBody>
+          <a:bodyPr rtlCol="0" anchor="ctr"/>
+          <a:lstStyle/>
+          <a:p>
+            <a:pPr algn="ctr"/>
+            <a:endParaRPr lang="de-DE">
+              <a:solidFill>
+                <a:schemeClr val="tx1">
+                  <a:lumMod val="95000"/>
+                  <a:lumOff val="5000"/>
+                </a:schemeClr>
+              </a:solidFill>
+            </a:endParaRPr>
+          </a:p>
+        </p:txBody>
+      </p:sp>
+    </p:spTree>
+    <p:extLst>
+      <p:ext uri="{BB962C8B-B14F-4D97-AF65-F5344CB8AC3E}">
+        <p14:creationId xmlns:p14="http://schemas.microsoft.com/office/powerpoint/2010/main" val="4163147388"/>
+      </p:ext>
+    </p:extLst>
+  </p:cSld>
+  <p:clrMapOvr>
+    <a:masterClrMapping/>
+  </p:clrMapOvr>
+</p:sld>
+</file>
+
+<file path=ppt/slides/slide7.xml><?xml version="1.0" encoding="utf-8"?>
+<p:sld xmlns:a="http://schemas.openxmlformats.org/drawingml/2006/main" xmlns:r="http://schemas.openxmlformats.org/officeDocument/2006/relationships" xmlns:p="http://schemas.openxmlformats.org/presentationml/2006/main">
+  <p:cSld>
+    <p:spTree>
+      <p:nvGrpSpPr>
+        <p:cNvPr id="1" name=""/>
+        <p:cNvGrpSpPr/>
+        <p:nvPr/>
+      </p:nvGrpSpPr>
+      <p:grpSpPr>
+        <a:xfrm>
+          <a:off x="0" y="0"/>
+          <a:ext cx="0" cy="0"/>
+          <a:chOff x="0" y="0"/>
+          <a:chExt cx="0" cy="0"/>
+        </a:xfrm>
+      </p:grpSpPr>
+      <p:sp>
+        <p:nvSpPr>
+          <p:cNvPr id="2" name="Titel 1">
+            <a:extLst>
+              <a:ext uri="{FF2B5EF4-FFF2-40B4-BE49-F238E27FC236}">
                 <a16:creationId xmlns:a16="http://schemas.microsoft.com/office/drawing/2014/main" id="{9A943F17-3090-45E1-A4DF-3DE16014B641}"/>
               </a:ext>
             </a:extLst>
@@ -5901,18 +6668,40 @@
           <a:bodyPr/>
           <a:lstStyle/>
           <a:p>
+            <a:pPr>
+              <a:buFont typeface="Wingdings" panose="05000000000000000000" pitchFamily="2" charset="2"/>
+              <a:buChar char="§"/>
+            </a:pPr>
             <a:r>
               <a:rPr lang="en-US" dirty="0"/>
               <a:t>People must only participate once</a:t>
             </a:r>
           </a:p>
           <a:p>
+            <a:pPr>
+              <a:buFont typeface="Wingdings" panose="05000000000000000000" pitchFamily="2" charset="2"/>
+              <a:buChar char="§"/>
+            </a:pPr>
             <a:r>
               <a:rPr lang="en-US" dirty="0"/>
               <a:t>People who leave the system last are at a disadvantage</a:t>
             </a:r>
           </a:p>
           <a:p>
+            <a:pPr>
+              <a:buFont typeface="Wingdings" panose="05000000000000000000" pitchFamily="2" charset="2"/>
+              <a:buChar char="§"/>
+            </a:pPr>
+            <a:r>
+              <a:rPr lang="en-US" dirty="0"/>
+              <a:t>Hackathon is the best place to start with ideas</a:t>
+            </a:r>
+          </a:p>
+          <a:p>
+            <a:pPr>
+              <a:buFont typeface="Wingdings" panose="05000000000000000000" pitchFamily="2" charset="2"/>
+              <a:buChar char="§"/>
+            </a:pPr>
             <a:r>
               <a:rPr lang="en-US" dirty="0"/>
               <a:t>…</a:t>
@@ -5934,7 +6723,7 @@
 </p:sld>
 </file>
 
-<file path=ppt/slides/slide7.xml><?xml version="1.0" encoding="utf-8"?>
+<file path=ppt/slides/slide8.xml><?xml version="1.0" encoding="utf-8"?>
 <p:sld xmlns:a="http://schemas.openxmlformats.org/drawingml/2006/main" xmlns:r="http://schemas.openxmlformats.org/officeDocument/2006/relationships" xmlns:p="http://schemas.openxmlformats.org/presentationml/2006/main">
   <p:cSld>
     <p:spTree>
